--- a/PPT/M6 (1) REST APICRUD with Firebase.pptx
+++ b/PPT/M6 (1) REST APICRUD with Firebase.pptx
@@ -222,7 +222,7 @@
             <a:fld id="{B26E7FAE-22AD-49BB-86F5-047CE39CD866}" type="datetimeFigureOut">
               <a:rPr lang="id-ID" smtClean="0"/>
               <a:pPr/>
-              <a:t>16/05/2019</a:t>
+              <a:t>18/06/2019</a:t>
             </a:fld>
             <a:endParaRPr lang="id-ID"/>
           </a:p>
@@ -3864,7 +3864,7 @@
         </p:nvSpPr>
         <p:spPr bwMode="auto">
           <a:xfrm>
-            <a:off x="609600" y="2344106"/>
+            <a:off x="251575" y="2555298"/>
             <a:ext cx="5626100" cy="1781175"/>
           </a:xfrm>
           <a:prstGeom prst="rect">
